--- a/img/ppt/runtime_measurement_scopes.pptx
+++ b/img/ppt/runtime_measurement_scopes.pptx
@@ -104,6 +104,11 @@
       </a:defRPr>
     </a:lvl9pPr>
   </p:defaultTextStyle>
+  <p:extLst>
+    <p:ext uri="{EFAFB233-063F-42B5-8137-9DF3F51BA10A}">
+      <p15:sldGuideLst xmlns:p15="http://schemas.microsoft.com/office/powerpoint/2012/main"/>
+    </p:ext>
+  </p:extLst>
 </p:presentation>
 </file>
 
@@ -238,7 +243,7 @@
           <a:p>
             <a:fld id="{F50FFDF0-3BEA-48A4-AFD7-2AF98877D6C1}" type="datetimeFigureOut">
               <a:rPr lang="de-DE" smtClean="0"/>
-              <a:t>30.06.2021</a:t>
+              <a:t>26.10.2021</a:t>
             </a:fld>
             <a:endParaRPr lang="de-DE"/>
           </a:p>
@@ -408,7 +413,7 @@
           <a:p>
             <a:fld id="{F50FFDF0-3BEA-48A4-AFD7-2AF98877D6C1}" type="datetimeFigureOut">
               <a:rPr lang="de-DE" smtClean="0"/>
-              <a:t>30.06.2021</a:t>
+              <a:t>26.10.2021</a:t>
             </a:fld>
             <a:endParaRPr lang="de-DE"/>
           </a:p>
@@ -588,7 +593,7 @@
           <a:p>
             <a:fld id="{F50FFDF0-3BEA-48A4-AFD7-2AF98877D6C1}" type="datetimeFigureOut">
               <a:rPr lang="de-DE" smtClean="0"/>
-              <a:t>30.06.2021</a:t>
+              <a:t>26.10.2021</a:t>
             </a:fld>
             <a:endParaRPr lang="de-DE"/>
           </a:p>
@@ -758,7 +763,7 @@
           <a:p>
             <a:fld id="{F50FFDF0-3BEA-48A4-AFD7-2AF98877D6C1}" type="datetimeFigureOut">
               <a:rPr lang="de-DE" smtClean="0"/>
-              <a:t>30.06.2021</a:t>
+              <a:t>26.10.2021</a:t>
             </a:fld>
             <a:endParaRPr lang="de-DE"/>
           </a:p>
@@ -1004,7 +1009,7 @@
           <a:p>
             <a:fld id="{F50FFDF0-3BEA-48A4-AFD7-2AF98877D6C1}" type="datetimeFigureOut">
               <a:rPr lang="de-DE" smtClean="0"/>
-              <a:t>30.06.2021</a:t>
+              <a:t>26.10.2021</a:t>
             </a:fld>
             <a:endParaRPr lang="de-DE"/>
           </a:p>
@@ -1236,7 +1241,7 @@
           <a:p>
             <a:fld id="{F50FFDF0-3BEA-48A4-AFD7-2AF98877D6C1}" type="datetimeFigureOut">
               <a:rPr lang="de-DE" smtClean="0"/>
-              <a:t>30.06.2021</a:t>
+              <a:t>26.10.2021</a:t>
             </a:fld>
             <a:endParaRPr lang="de-DE"/>
           </a:p>
@@ -1603,7 +1608,7 @@
           <a:p>
             <a:fld id="{F50FFDF0-3BEA-48A4-AFD7-2AF98877D6C1}" type="datetimeFigureOut">
               <a:rPr lang="de-DE" smtClean="0"/>
-              <a:t>30.06.2021</a:t>
+              <a:t>26.10.2021</a:t>
             </a:fld>
             <a:endParaRPr lang="de-DE"/>
           </a:p>
@@ -1721,7 +1726,7 @@
           <a:p>
             <a:fld id="{F50FFDF0-3BEA-48A4-AFD7-2AF98877D6C1}" type="datetimeFigureOut">
               <a:rPr lang="de-DE" smtClean="0"/>
-              <a:t>30.06.2021</a:t>
+              <a:t>26.10.2021</a:t>
             </a:fld>
             <a:endParaRPr lang="de-DE"/>
           </a:p>
@@ -1816,7 +1821,7 @@
           <a:p>
             <a:fld id="{F50FFDF0-3BEA-48A4-AFD7-2AF98877D6C1}" type="datetimeFigureOut">
               <a:rPr lang="de-DE" smtClean="0"/>
-              <a:t>30.06.2021</a:t>
+              <a:t>26.10.2021</a:t>
             </a:fld>
             <a:endParaRPr lang="de-DE"/>
           </a:p>
@@ -2093,7 +2098,7 @@
           <a:p>
             <a:fld id="{F50FFDF0-3BEA-48A4-AFD7-2AF98877D6C1}" type="datetimeFigureOut">
               <a:rPr lang="de-DE" smtClean="0"/>
-              <a:t>30.06.2021</a:t>
+              <a:t>26.10.2021</a:t>
             </a:fld>
             <a:endParaRPr lang="de-DE"/>
           </a:p>
@@ -2346,7 +2351,7 @@
           <a:p>
             <a:fld id="{F50FFDF0-3BEA-48A4-AFD7-2AF98877D6C1}" type="datetimeFigureOut">
               <a:rPr lang="de-DE" smtClean="0"/>
-              <a:t>30.06.2021</a:t>
+              <a:t>26.10.2021</a:t>
             </a:fld>
             <a:endParaRPr lang="de-DE"/>
           </a:p>
@@ -2559,7 +2564,7 @@
           <a:p>
             <a:fld id="{F50FFDF0-3BEA-48A4-AFD7-2AF98877D6C1}" type="datetimeFigureOut">
               <a:rPr lang="de-DE" smtClean="0"/>
-              <a:t>30.06.2021</a:t>
+              <a:t>26.10.2021</a:t>
             </a:fld>
             <a:endParaRPr lang="de-DE"/>
           </a:p>
@@ -3008,6 +3013,7 @@
                     <a:lumOff val="15000"/>
                   </a:schemeClr>
                 </a:solidFill>
+                <a:latin typeface="Stafford Pro" panose="02000503030000020004" pitchFamily="2" charset="0"/>
               </a:rPr>
               <a:t>Function</a:t>
             </a:r>
@@ -3021,6 +3027,7 @@
                   <a:lumOff val="15000"/>
                 </a:schemeClr>
               </a:solidFill>
+              <a:latin typeface="Stafford Pro" panose="02000503030000020004" pitchFamily="2" charset="0"/>
             </a:endParaRPr>
           </a:p>
           <a:p>
@@ -3032,6 +3039,7 @@
                   <a:lumOff val="15000"/>
                 </a:schemeClr>
               </a:solidFill>
+              <a:latin typeface="Stafford Pro" panose="02000503030000020004" pitchFamily="2" charset="0"/>
             </a:endParaRPr>
           </a:p>
           <a:p>
@@ -3043,6 +3051,7 @@
                   <a:lumOff val="15000"/>
                 </a:schemeClr>
               </a:solidFill>
+              <a:latin typeface="Stafford Pro" panose="02000503030000020004" pitchFamily="2" charset="0"/>
             </a:endParaRPr>
           </a:p>
           <a:p>
@@ -3054,6 +3063,7 @@
                   <a:lumOff val="15000"/>
                 </a:schemeClr>
               </a:solidFill>
+              <a:latin typeface="Stafford Pro" panose="02000503030000020004" pitchFamily="2" charset="0"/>
             </a:endParaRPr>
           </a:p>
           <a:p>
@@ -3065,6 +3075,7 @@
                   <a:lumOff val="15000"/>
                 </a:schemeClr>
               </a:solidFill>
+              <a:latin typeface="Stafford Pro" panose="02000503030000020004" pitchFamily="2" charset="0"/>
             </a:endParaRPr>
           </a:p>
           <a:p>
@@ -3076,6 +3087,7 @@
                   <a:lumOff val="15000"/>
                 </a:schemeClr>
               </a:solidFill>
+              <a:latin typeface="Stafford Pro" panose="02000503030000020004" pitchFamily="2" charset="0"/>
             </a:endParaRPr>
           </a:p>
           <a:p>
@@ -3087,6 +3099,7 @@
                   <a:lumOff val="15000"/>
                 </a:schemeClr>
               </a:solidFill>
+              <a:latin typeface="Stafford Pro" panose="02000503030000020004" pitchFamily="2" charset="0"/>
             </a:endParaRPr>
           </a:p>
           <a:p>
@@ -3098,6 +3111,7 @@
                   <a:lumOff val="15000"/>
                 </a:schemeClr>
               </a:solidFill>
+              <a:latin typeface="Stafford Pro" panose="02000503030000020004" pitchFamily="2" charset="0"/>
             </a:endParaRPr>
           </a:p>
           <a:p>
@@ -3109,6 +3123,7 @@
                   <a:lumOff val="15000"/>
                 </a:schemeClr>
               </a:solidFill>
+              <a:latin typeface="Stafford Pro" panose="02000503030000020004" pitchFamily="2" charset="0"/>
             </a:endParaRPr>
           </a:p>
           <a:p>
@@ -3120,6 +3135,7 @@
                   <a:lumOff val="15000"/>
                 </a:schemeClr>
               </a:solidFill>
+              <a:latin typeface="Stafford Pro" panose="02000503030000020004" pitchFamily="2" charset="0"/>
             </a:endParaRPr>
           </a:p>
           <a:p>
@@ -3131,6 +3147,7 @@
                   <a:lumOff val="15000"/>
                 </a:schemeClr>
               </a:solidFill>
+              <a:latin typeface="Stafford Pro" panose="02000503030000020004" pitchFamily="2" charset="0"/>
             </a:endParaRPr>
           </a:p>
           <a:p>
@@ -3142,6 +3159,7 @@
                   <a:lumOff val="15000"/>
                 </a:schemeClr>
               </a:solidFill>
+              <a:latin typeface="Stafford Pro" panose="02000503030000020004" pitchFamily="2" charset="0"/>
             </a:endParaRPr>
           </a:p>
         </p:txBody>
@@ -3756,7 +3774,7 @@
         </p:nvSpPr>
         <p:spPr>
           <a:xfrm>
-            <a:off x="5384088" y="3160834"/>
+            <a:off x="5445868" y="3160834"/>
             <a:ext cx="280846" cy="307777"/>
           </a:xfrm>
           <a:prstGeom prst="rect">
@@ -3772,10 +3790,14 @@
           <a:p>
             <a:pPr fontAlgn="base"/>
             <a:r>
-              <a:rPr kumimoji="1" lang="en-US" sz="1400" dirty="0" smtClean="0"/>
+              <a:rPr kumimoji="1" lang="en-US" sz="1400" dirty="0" smtClean="0">
+                <a:latin typeface="Stafford Pro" panose="02000503030000020004" pitchFamily="2" charset="0"/>
+              </a:rPr>
               <a:t>1</a:t>
             </a:r>
-            <a:endParaRPr kumimoji="1" lang="de-DE" sz="1400" dirty="0" smtClean="0"/>
+            <a:endParaRPr kumimoji="1" lang="de-DE" sz="1400" dirty="0" smtClean="0">
+              <a:latin typeface="Stafford Pro" panose="02000503030000020004" pitchFamily="2" charset="0"/>
+            </a:endParaRPr>
           </a:p>
         </p:txBody>
       </p:sp>
@@ -3787,7 +3809,7 @@
         </p:nvSpPr>
         <p:spPr>
           <a:xfrm>
-            <a:off x="5719370" y="3162165"/>
+            <a:off x="5737904" y="3162165"/>
             <a:ext cx="280846" cy="307777"/>
           </a:xfrm>
           <a:prstGeom prst="rect">
@@ -3803,10 +3825,14 @@
           <a:p>
             <a:pPr fontAlgn="base"/>
             <a:r>
-              <a:rPr kumimoji="1" lang="en-US" sz="1400" dirty="0" smtClean="0"/>
+              <a:rPr kumimoji="1" lang="en-US" sz="1400" dirty="0" smtClean="0">
+                <a:latin typeface="Stafford Pro" panose="02000503030000020004" pitchFamily="2" charset="0"/>
+              </a:rPr>
               <a:t>2</a:t>
             </a:r>
-            <a:endParaRPr kumimoji="1" lang="de-DE" sz="1400" dirty="0" smtClean="0"/>
+            <a:endParaRPr kumimoji="1" lang="de-DE" sz="1400" dirty="0" smtClean="0">
+              <a:latin typeface="Stafford Pro" panose="02000503030000020004" pitchFamily="2" charset="0"/>
+            </a:endParaRPr>
           </a:p>
         </p:txBody>
       </p:sp>
@@ -3834,10 +3860,14 @@
           <a:p>
             <a:pPr fontAlgn="base"/>
             <a:r>
-              <a:rPr kumimoji="1" lang="en-US" sz="1400" dirty="0" smtClean="0"/>
+              <a:rPr kumimoji="1" lang="en-US" sz="1400" dirty="0" smtClean="0">
+                <a:latin typeface="Stafford Pro" panose="02000503030000020004" pitchFamily="2" charset="0"/>
+              </a:rPr>
               <a:t>3</a:t>
             </a:r>
-            <a:endParaRPr kumimoji="1" lang="de-DE" sz="1400" dirty="0" smtClean="0"/>
+            <a:endParaRPr kumimoji="1" lang="de-DE" sz="1400" dirty="0" smtClean="0">
+              <a:latin typeface="Stafford Pro" panose="02000503030000020004" pitchFamily="2" charset="0"/>
+            </a:endParaRPr>
           </a:p>
         </p:txBody>
       </p:sp>
@@ -4062,6 +4092,7 @@
                     <a:lumOff val="15000"/>
                   </a:schemeClr>
                 </a:solidFill>
+                <a:latin typeface="Stafford Pro" panose="02000503030000020004" pitchFamily="2" charset="0"/>
               </a:rPr>
               <a:t>BB</a:t>
             </a:r>
@@ -4072,6 +4103,7 @@
                   <a:lumOff val="15000"/>
                 </a:schemeClr>
               </a:solidFill>
+              <a:latin typeface="Stafford Pro" panose="02000503030000020004" pitchFamily="2" charset="0"/>
             </a:endParaRPr>
           </a:p>
         </p:txBody>
@@ -4121,6 +4153,7 @@
                     <a:lumOff val="15000"/>
                   </a:schemeClr>
                 </a:solidFill>
+                <a:latin typeface="Stafford Pro" panose="02000503030000020004" pitchFamily="2" charset="0"/>
               </a:rPr>
               <a:t>BB</a:t>
             </a:r>
@@ -4131,6 +4164,7 @@
                   <a:lumOff val="15000"/>
                 </a:schemeClr>
               </a:solidFill>
+              <a:latin typeface="Stafford Pro" panose="02000503030000020004" pitchFamily="2" charset="0"/>
             </a:endParaRPr>
           </a:p>
         </p:txBody>
@@ -4180,6 +4214,7 @@
                     <a:lumOff val="15000"/>
                   </a:schemeClr>
                 </a:solidFill>
+                <a:latin typeface="Stafford Pro" panose="02000503030000020004" pitchFamily="2" charset="0"/>
               </a:rPr>
               <a:t>BB</a:t>
             </a:r>
@@ -4190,6 +4225,7 @@
                   <a:lumOff val="15000"/>
                 </a:schemeClr>
               </a:solidFill>
+              <a:latin typeface="Stafford Pro" panose="02000503030000020004" pitchFamily="2" charset="0"/>
             </a:endParaRPr>
           </a:p>
         </p:txBody>
@@ -4209,11 +4245,11 @@
             <a:avLst/>
           </a:prstGeom>
           <a:solidFill>
-            <a:srgbClr val="B90F22"/>
+            <a:srgbClr val="00715E"/>
           </a:solidFill>
           <a:ln w="15875">
             <a:solidFill>
-              <a:srgbClr val="B90F22"/>
+              <a:srgbClr val="00715E"/>
             </a:solidFill>
           </a:ln>
         </p:spPr>
@@ -4245,6 +4281,7 @@
                 <a:solidFill>
                   <a:schemeClr val="bg1"/>
                 </a:solidFill>
+                <a:latin typeface="Stafford Pro" panose="02000503030000020004" pitchFamily="2" charset="0"/>
               </a:rPr>
               <a:t>BB</a:t>
             </a:r>
@@ -4252,6 +4289,7 @@
               <a:solidFill>
                 <a:schemeClr val="bg1"/>
               </a:solidFill>
+              <a:latin typeface="Stafford Pro" panose="02000503030000020004" pitchFamily="2" charset="0"/>
             </a:endParaRPr>
           </a:p>
         </p:txBody>
@@ -4301,6 +4339,7 @@
                     <a:lumOff val="15000"/>
                   </a:schemeClr>
                 </a:solidFill>
+                <a:latin typeface="Stafford Pro" panose="02000503030000020004" pitchFamily="2" charset="0"/>
               </a:rPr>
               <a:t>BB</a:t>
             </a:r>
@@ -4311,6 +4350,7 @@
                   <a:lumOff val="15000"/>
                 </a:schemeClr>
               </a:solidFill>
+              <a:latin typeface="Stafford Pro" panose="02000503030000020004" pitchFamily="2" charset="0"/>
             </a:endParaRPr>
           </a:p>
         </p:txBody>
